--- a/Instant Player + Java.pptx
+++ b/Instant Player + Java.pptx
@@ -3517,6 +3517,83 @@
             </a:r>
             <a:endParaRPr lang="es-ES" sz="3600" dirty="0">
               <a:latin typeface="+mj-lt"/>
+            </a:endParaRPr>
+          </a:p>
+        </p:txBody>
+      </p:sp>
+      <p:sp>
+        <p:nvSpPr>
+          <p:cNvPr id="3" name="TextBox 2">
+            <a:extLst>
+              <a:ext uri="{FF2B5EF4-FFF2-40B4-BE49-F238E27FC236}">
+                <a16:creationId xmlns:a16="http://schemas.microsoft.com/office/drawing/2014/main" id="{D9FA33BF-1ACD-4D60-A8FD-5ABDB8615A3C}"/>
+              </a:ext>
+            </a:extLst>
+          </p:cNvPr>
+          <p:cNvSpPr txBox="1"/>
+          <p:nvPr/>
+        </p:nvSpPr>
+        <p:spPr>
+          <a:xfrm>
+            <a:off x="323528" y="1783227"/>
+            <a:ext cx="8568952" cy="1384995"/>
+          </a:xfrm>
+          <a:prstGeom prst="rect">
+            <a:avLst/>
+          </a:prstGeom>
+          <a:noFill/>
+        </p:spPr>
+        <p:txBody>
+          <a:bodyPr wrap="square" rtlCol="0">
+            <a:spAutoFit/>
+          </a:bodyPr>
+          <a:lstStyle/>
+          <a:p>
+            <a:r>
+              <a:rPr lang="ru-RU" sz="2800" dirty="0">
+                <a:solidFill>
+                  <a:schemeClr val="accent1">
+                    <a:lumMod val="50000"/>
+                  </a:schemeClr>
+                </a:solidFill>
+              </a:rPr>
+              <a:t>Исходный код:</a:t>
+            </a:r>
+            <a:endParaRPr lang="en-US" sz="2800" dirty="0">
+              <a:solidFill>
+                <a:schemeClr val="accent1">
+                  <a:lumMod val="50000"/>
+                </a:schemeClr>
+              </a:solidFill>
+            </a:endParaRPr>
+          </a:p>
+          <a:p>
+            <a:endParaRPr lang="en-US" sz="2800" dirty="0">
+              <a:solidFill>
+                <a:schemeClr val="accent1">
+                  <a:lumMod val="50000"/>
+                </a:schemeClr>
+              </a:solidFill>
+            </a:endParaRPr>
+          </a:p>
+          <a:p>
+            <a:r>
+              <a:rPr lang="en-US" sz="2800" b="1" dirty="0">
+                <a:solidFill>
+                  <a:schemeClr val="accent1">
+                    <a:lumMod val="50000"/>
+                  </a:schemeClr>
+                </a:solidFill>
+                <a:hlinkClick r:id="rId3"/>
+              </a:rPr>
+              <a:t>https://github.com/zinoviy23/instantreality-script-test</a:t>
+            </a:r>
+            <a:endParaRPr lang="ru-RU" sz="2800" b="1" dirty="0">
+              <a:solidFill>
+                <a:schemeClr val="accent1">
+                  <a:lumMod val="50000"/>
+                </a:schemeClr>
+              </a:solidFill>
             </a:endParaRPr>
           </a:p>
         </p:txBody>

--- a/Instant Player + Java.pptx
+++ b/Instant Player + Java.pptx
@@ -3379,15 +3379,7 @@
           <a:p>
             <a:r>
               <a:rPr lang="ru-RU" sz="2400" dirty="0"/>
-              <a:t>НИС </a:t>
-            </a:r>
-            <a:r>
-              <a:rPr lang="ru-RU" sz="2400" dirty="0" err="1"/>
-              <a:t>Компонетно</a:t>
-            </a:r>
-            <a:r>
-              <a:rPr lang="ru-RU" sz="2400" dirty="0"/>
-              <a:t>-ориентированное программирование</a:t>
+              <a:t>НИС Компонентно-ориентированное программирование</a:t>
             </a:r>
             <a:endParaRPr lang="es-ES" sz="2400" dirty="0"/>
           </a:p>
